--- a/介绍.pptx
+++ b/介绍.pptx
@@ -263,7 +263,7 @@
           <a:p>
             <a:fld id="{82F288E0-7875-42C4-84C8-98DBBD3BF4D2}" type="datetimeFigureOut">
               <a:rPr lang="zh-CN" altLang="en-US" smtClean="0"/>
-              <a:t>2021/7/1</a:t>
+              <a:t>2021/7/2</a:t>
             </a:fld>
             <a:endParaRPr lang="zh-CN" altLang="en-US"/>
           </a:p>
@@ -409,7 +409,7 @@
           <a:p>
             <a:fld id="{82F288E0-7875-42C4-84C8-98DBBD3BF4D2}" type="datetimeFigureOut">
               <a:rPr lang="zh-CN" altLang="en-US" smtClean="0"/>
-              <a:t>2021/7/1</a:t>
+              <a:t>2021/7/2</a:t>
             </a:fld>
             <a:endParaRPr lang="zh-CN" altLang="en-US"/>
           </a:p>
@@ -572,7 +572,7 @@
           <a:p>
             <a:fld id="{82F288E0-7875-42C4-84C8-98DBBD3BF4D2}" type="datetimeFigureOut">
               <a:rPr lang="zh-CN" altLang="en-US" smtClean="0"/>
-              <a:t>2021/7/1</a:t>
+              <a:t>2021/7/2</a:t>
             </a:fld>
             <a:endParaRPr lang="zh-CN" altLang="en-US"/>
           </a:p>
@@ -812,7 +812,7 @@
           <a:p>
             <a:fld id="{82F288E0-7875-42C4-84C8-98DBBD3BF4D2}" type="datetimeFigureOut">
               <a:rPr lang="zh-CN" altLang="en-US" smtClean="0"/>
-              <a:t>2021/7/1</a:t>
+              <a:t>2021/7/2</a:t>
             </a:fld>
             <a:endParaRPr lang="zh-CN" altLang="en-US"/>
           </a:p>
@@ -1036,7 +1036,7 @@
           <a:p>
             <a:fld id="{82F288E0-7875-42C4-84C8-98DBBD3BF4D2}" type="datetimeFigureOut">
               <a:rPr lang="zh-CN" altLang="en-US" smtClean="0"/>
-              <a:t>2021/7/1</a:t>
+              <a:t>2021/7/2</a:t>
             </a:fld>
             <a:endParaRPr lang="zh-CN" altLang="en-US"/>
           </a:p>
@@ -2206,7 +2206,7 @@
           <a:p>
             <a:fld id="{82F288E0-7875-42C4-84C8-98DBBD3BF4D2}" type="datetimeFigureOut">
               <a:rPr lang="zh-CN" altLang="en-US" smtClean="0"/>
-              <a:t>2021/7/1</a:t>
+              <a:t>2021/7/2</a:t>
             </a:fld>
             <a:endParaRPr lang="zh-CN" altLang="en-US"/>
           </a:p>
@@ -2318,7 +2318,7 @@
           <a:p>
             <a:fld id="{82F288E0-7875-42C4-84C8-98DBBD3BF4D2}" type="datetimeFigureOut">
               <a:rPr lang="zh-CN" altLang="en-US" smtClean="0"/>
-              <a:t>2021/7/1</a:t>
+              <a:t>2021/7/2</a:t>
             </a:fld>
             <a:endParaRPr lang="zh-CN" altLang="en-US"/>
           </a:p>
@@ -2408,7 +2408,7 @@
           <a:p>
             <a:fld id="{82F288E0-7875-42C4-84C8-98DBBD3BF4D2}" type="datetimeFigureOut">
               <a:rPr lang="zh-CN" altLang="en-US" smtClean="0"/>
-              <a:t>2021/7/1</a:t>
+              <a:t>2021/7/2</a:t>
             </a:fld>
             <a:endParaRPr lang="zh-CN" altLang="en-US"/>
           </a:p>
@@ -2655,7 +2655,7 @@
           <a:p>
             <a:fld id="{82F288E0-7875-42C4-84C8-98DBBD3BF4D2}" type="datetimeFigureOut">
               <a:rPr lang="zh-CN" altLang="en-US" smtClean="0"/>
-              <a:t>2021/7/1</a:t>
+              <a:t>2021/7/2</a:t>
             </a:fld>
             <a:endParaRPr lang="zh-CN" altLang="en-US"/>
           </a:p>
@@ -2828,7 +2828,7 @@
           <a:p>
             <a:fld id="{82F288E0-7875-42C4-84C8-98DBBD3BF4D2}" type="datetimeFigureOut">
               <a:rPr lang="zh-CN" altLang="en-US" smtClean="0"/>
-              <a:t>2021/7/1</a:t>
+              <a:t>2021/7/2</a:t>
             </a:fld>
             <a:endParaRPr lang="zh-CN" altLang="en-US"/>
           </a:p>
@@ -3046,7 +3046,7 @@
           <a:p>
             <a:fld id="{82F288E0-7875-42C4-84C8-98DBBD3BF4D2}" type="datetimeFigureOut">
               <a:rPr lang="zh-CN" altLang="en-US" smtClean="0"/>
-              <a:t>2021/7/1</a:t>
+              <a:t>2021/7/2</a:t>
             </a:fld>
             <a:endParaRPr lang="zh-CN" altLang="en-US"/>
           </a:p>
@@ -3497,7 +3497,7 @@
         </p:blipFill>
         <p:spPr>
           <a:xfrm>
-            <a:off x="4607560" y="391160"/>
+            <a:off x="4632498" y="379730"/>
             <a:ext cx="3197860" cy="3197860"/>
           </a:xfrm>
           <a:prstGeom prst="rect">
@@ -3535,6 +3535,63 @@
           </a:prstGeom>
         </p:spPr>
       </p:pic>
+      <p:sp>
+        <p:nvSpPr>
+          <p:cNvPr id="2" name="文本框 1">
+            <a:extLst>
+              <a:ext uri="{FF2B5EF4-FFF2-40B4-BE49-F238E27FC236}">
+                <a16:creationId xmlns:a16="http://schemas.microsoft.com/office/drawing/2014/main" id="{94150E6C-A496-4149-AD21-78911861629F}"/>
+              </a:ext>
+            </a:extLst>
+          </p:cNvPr>
+          <p:cNvSpPr txBox="1"/>
+          <p:nvPr/>
+        </p:nvSpPr>
+        <p:spPr>
+          <a:xfrm>
+            <a:off x="8761826" y="2505670"/>
+            <a:ext cx="2492990" cy="923330"/>
+          </a:xfrm>
+          <a:prstGeom prst="rect">
+            <a:avLst/>
+          </a:prstGeom>
+          <a:noFill/>
+        </p:spPr>
+        <p:txBody>
+          <a:bodyPr wrap="none" rtlCol="0">
+            <a:spAutoFit/>
+          </a:bodyPr>
+          <a:lstStyle/>
+          <a:p>
+            <a:r>
+              <a:rPr lang="zh-CN" altLang="en-US" dirty="0"/>
+              <a:t>汇报人：安家乐</a:t>
+            </a:r>
+            <a:endParaRPr lang="en-US" altLang="zh-CN" dirty="0"/>
+          </a:p>
+          <a:p>
+            <a:r>
+              <a:rPr lang="zh-CN" altLang="en-US" dirty="0"/>
+              <a:t>地信</a:t>
+            </a:r>
+            <a:r>
+              <a:rPr lang="en-US" altLang="zh-CN" dirty="0"/>
+              <a:t>1801</a:t>
+            </a:r>
+            <a:r>
+              <a:rPr lang="zh-CN" altLang="en-US" dirty="0"/>
+              <a:t>班</a:t>
+            </a:r>
+            <a:endParaRPr lang="en-US" altLang="zh-CN" dirty="0"/>
+          </a:p>
+          <a:p>
+            <a:r>
+              <a:rPr lang="zh-CN" altLang="en-US" dirty="0"/>
+              <a:t>湖北大学资源环境学院</a:t>
+            </a:r>
+          </a:p>
+        </p:txBody>
+      </p:sp>
     </p:spTree>
   </p:cSld>
   <p:clrMapOvr>
